--- a/CUDA入门(updating)/0312/0312blocksparse_贺思超.pptx
+++ b/CUDA入门(updating)/0312/0312blocksparse_贺思超.pptx
@@ -28,21 +28,21 @@
   <p:notesSz cx="6858000" cy="9144000"/>
   <p:embeddedFontLst>
     <p:embeddedFont>
-      <p:font typeface="微软雅黑" panose="020B0503020204020204" pitchFamily="34" charset="-122"/>
+      <p:font typeface="Calibri" panose="020F0502020204030204" pitchFamily="34" charset="0"/>
       <p:regular r:id="rId18"/>
       <p:bold r:id="rId19"/>
-    </p:embeddedFont>
-    <p:embeddedFont>
-      <p:font typeface="Calibri" panose="020F0502020204030204" pitchFamily="34" charset="0"/>
-      <p:regular r:id="rId20"/>
-      <p:bold r:id="rId21"/>
-      <p:italic r:id="rId22"/>
-      <p:boldItalic r:id="rId23"/>
+      <p:italic r:id="rId20"/>
+      <p:boldItalic r:id="rId21"/>
     </p:embeddedFont>
     <p:embeddedFont>
       <p:font typeface="Calibri Light" panose="020F0302020204030204" pitchFamily="34" charset="0"/>
+      <p:regular r:id="rId22"/>
+      <p:italic r:id="rId23"/>
+    </p:embeddedFont>
+    <p:embeddedFont>
+      <p:font typeface="微软雅黑" panose="020B0503020204020204" pitchFamily="34" charset="-122"/>
       <p:regular r:id="rId24"/>
-      <p:italic r:id="rId25"/>
+      <p:bold r:id="rId25"/>
     </p:embeddedFont>
   </p:embeddedFontLst>
   <p:defaultTextStyle>
@@ -4872,7 +4872,7 @@
           <a:p>
             <a:fld id="{E9322016-10F6-433F-8A73-AEE06F02DA3F}" type="datetimeFigureOut">
               <a:rPr lang="zh-CN" altLang="en-US" smtClean="0"/>
-              <a:t>2023/3/11</a:t>
+              <a:t>2023/3/12</a:t>
             </a:fld>
             <a:endParaRPr lang="zh-CN" altLang="en-US"/>
           </a:p>
@@ -5365,7 +5365,91 @@
           <a:bodyPr/>
           <a:lstStyle/>
           <a:p>
-            <a:endParaRPr lang="zh-CN" altLang="en-US" dirty="0"/>
+            <a:r>
+              <a:rPr lang="zh-CN" altLang="en-US" dirty="0"/>
+              <a:t>做了与</a:t>
+            </a:r>
+            <a:r>
+              <a:rPr lang="en-US" altLang="zh-CN" dirty="0" err="1"/>
+              <a:t>cuBLAS</a:t>
+            </a:r>
+            <a:r>
+              <a:rPr lang="zh-CN" altLang="en-US" dirty="0"/>
+              <a:t>的对比，其他的方法还是要更差劲</a:t>
+            </a:r>
+            <a:endParaRPr lang="en-US" altLang="zh-CN" dirty="0"/>
+          </a:p>
+          <a:p>
+            <a:r>
+              <a:rPr lang="zh-CN" altLang="en-US" dirty="0"/>
+              <a:t>在</a:t>
+            </a:r>
+            <a:r>
+              <a:rPr lang="en-US" altLang="zh-CN" dirty="0"/>
+              <a:t>sparsity</a:t>
+            </a:r>
+            <a:r>
+              <a:rPr lang="zh-CN" altLang="en-US" dirty="0"/>
+              <a:t>小的时候有许多不必要的操作，性能比较一般，但随着</a:t>
+            </a:r>
+            <a:r>
+              <a:rPr lang="en-US" altLang="zh-CN" dirty="0"/>
+              <a:t>sparsity</a:t>
+            </a:r>
+            <a:r>
+              <a:rPr lang="zh-CN" altLang="en-US" dirty="0"/>
+              <a:t>的增大，</a:t>
+            </a:r>
+            <a:r>
+              <a:rPr lang="en-US" altLang="zh-CN" dirty="0"/>
+              <a:t>speed-up</a:t>
+            </a:r>
+            <a:r>
+              <a:rPr lang="zh-CN" altLang="en-US" dirty="0"/>
+              <a:t> </a:t>
+            </a:r>
+            <a:r>
+              <a:rPr lang="en-US" altLang="zh-CN" dirty="0"/>
+              <a:t>factor</a:t>
+            </a:r>
+            <a:r>
+              <a:rPr lang="zh-CN" altLang="en-US" dirty="0"/>
+              <a:t>接近</a:t>
+            </a:r>
+            <a:r>
+              <a:rPr lang="en-US" altLang="zh-CN" dirty="0"/>
+              <a:t>1/1-s/100</a:t>
+            </a:r>
+          </a:p>
+          <a:p>
+            <a:r>
+              <a:rPr lang="zh-CN" altLang="en-US" dirty="0"/>
+              <a:t>还比较了用</a:t>
+            </a:r>
+            <a:r>
+              <a:rPr lang="en-US" altLang="zh-CN" dirty="0" err="1"/>
+              <a:t>cuBLAS</a:t>
+            </a:r>
+            <a:r>
+              <a:rPr lang="zh-CN" altLang="en-US" dirty="0"/>
+              <a:t>的小序列矩阵乘法和使用</a:t>
+            </a:r>
+            <a:r>
+              <a:rPr lang="en-US" altLang="zh-CN" dirty="0" err="1"/>
+              <a:t>cuSPARSE</a:t>
+            </a:r>
+            <a:r>
+              <a:rPr lang="zh-CN" altLang="en-US" dirty="0"/>
+              <a:t>库的矩阵乘法，结果比之前</a:t>
+            </a:r>
+            <a:r>
+              <a:rPr lang="en-US" altLang="zh-CN" dirty="0" err="1"/>
+              <a:t>cuBLAS</a:t>
+            </a:r>
+            <a:r>
+              <a:rPr lang="zh-CN" altLang="en-US" dirty="0"/>
+              <a:t>更差</a:t>
+            </a:r>
           </a:p>
         </p:txBody>
       </p:sp>
@@ -5449,7 +5533,41 @@
           <a:bodyPr/>
           <a:lstStyle/>
           <a:p>
-            <a:endParaRPr lang="zh-CN" altLang="en-US" dirty="0"/>
+            <a:r>
+              <a:rPr lang="zh-CN" altLang="en-US" dirty="0"/>
+              <a:t>对于</a:t>
+            </a:r>
+            <a:r>
+              <a:rPr lang="en-US" altLang="zh-CN" dirty="0"/>
+              <a:t>Small world LSTM</a:t>
+            </a:r>
+            <a:r>
+              <a:rPr lang="zh-CN" altLang="en-US" dirty="0"/>
+              <a:t>，比</a:t>
+            </a:r>
+            <a:r>
+              <a:rPr lang="en-US" altLang="zh-CN" dirty="0"/>
+              <a:t>larger minibatch size</a:t>
+            </a:r>
+            <a:r>
+              <a:rPr lang="zh-CN" altLang="en-US" dirty="0"/>
+              <a:t>相比，更能减少缓存扩散，与</a:t>
+            </a:r>
+            <a:r>
+              <a:rPr lang="en-US" altLang="zh-CN" dirty="0" err="1"/>
+              <a:t>Bconnection</a:t>
+            </a:r>
+            <a:r>
+              <a:rPr lang="zh-CN" altLang="en-US" dirty="0"/>
+              <a:t>接近</a:t>
+            </a:r>
+            <a:endParaRPr lang="en-US" altLang="zh-CN" dirty="0"/>
+          </a:p>
+          <a:p>
+            <a:r>
+              <a:rPr lang="zh-CN" altLang="en-US" dirty="0"/>
+              <a:t>更稀疏的矩阵对性能影响更强</a:t>
+            </a:r>
           </a:p>
         </p:txBody>
       </p:sp>
@@ -7026,6 +7144,22 @@
           <a:bodyPr/>
           <a:lstStyle/>
           <a:p>
+            <a:r>
+              <a:rPr lang="zh-CN" altLang="en-US" dirty="0"/>
+              <a:t>列的一个项目源码结构图，可以看到除了上述的操作外，还实现了</a:t>
+            </a:r>
+            <a:r>
+              <a:rPr lang="en-US" altLang="zh-CN" dirty="0" err="1"/>
+              <a:t>lstm</a:t>
+            </a:r>
+            <a:r>
+              <a:rPr lang="zh-CN" altLang="en-US" dirty="0"/>
+              <a:t>，优化，量化以及</a:t>
+            </a:r>
+            <a:r>
+              <a:rPr lang="en-US" altLang="zh-CN" dirty="0"/>
+              <a:t>transformer</a:t>
+            </a:r>
             <a:endParaRPr lang="zh-CN" altLang="en-US" dirty="0"/>
           </a:p>
         </p:txBody>
@@ -8058,7 +8192,7 @@
           <a:p>
             <a:fld id="{D997B5FA-0921-464F-AAE1-844C04324D75}" type="datetimeFigureOut">
               <a:rPr lang="zh-CN" altLang="en-US" smtClean="0"/>
-              <a:t>2023/3/11</a:t>
+              <a:t>2023/3/12</a:t>
             </a:fld>
             <a:endParaRPr lang="zh-CN" altLang="en-US"/>
           </a:p>
@@ -8229,7 +8363,7 @@
           <a:p>
             <a:fld id="{D997B5FA-0921-464F-AAE1-844C04324D75}" type="datetimeFigureOut">
               <a:rPr lang="zh-CN" altLang="en-US" smtClean="0"/>
-              <a:t>2023/3/11</a:t>
+              <a:t>2023/3/12</a:t>
             </a:fld>
             <a:endParaRPr lang="zh-CN" altLang="en-US"/>
           </a:p>
@@ -8410,7 +8544,7 @@
           <a:p>
             <a:fld id="{D997B5FA-0921-464F-AAE1-844C04324D75}" type="datetimeFigureOut">
               <a:rPr lang="zh-CN" altLang="en-US" smtClean="0"/>
-              <a:t>2023/3/11</a:t>
+              <a:t>2023/3/12</a:t>
             </a:fld>
             <a:endParaRPr lang="zh-CN" altLang="en-US"/>
           </a:p>
@@ -8610,7 +8744,7 @@
                 </a:solidFill>
               </a:rPr>
               <a:pPr/>
-              <a:t>2023/3/11</a:t>
+              <a:t>2023/3/12</a:t>
             </a:fld>
             <a:endParaRPr lang="zh-CN" altLang="en-US">
               <a:solidFill>
@@ -8813,7 +8947,7 @@
                 </a:solidFill>
               </a:rPr>
               <a:pPr/>
-              <a:t>2023/3/11</a:t>
+              <a:t>2023/3/12</a:t>
             </a:fld>
             <a:endParaRPr lang="zh-CN" altLang="en-US">
               <a:solidFill>
@@ -9009,7 +9143,7 @@
           <a:p>
             <a:fld id="{D997B5FA-0921-464F-AAE1-844C04324D75}" type="datetimeFigureOut">
               <a:rPr lang="zh-CN" altLang="en-US" smtClean="0"/>
-              <a:t>2023/3/11</a:t>
+              <a:t>2023/3/12</a:t>
             </a:fld>
             <a:endParaRPr lang="zh-CN" altLang="en-US"/>
           </a:p>
@@ -9257,7 +9391,7 @@
           <a:p>
             <a:fld id="{D997B5FA-0921-464F-AAE1-844C04324D75}" type="datetimeFigureOut">
               <a:rPr lang="zh-CN" altLang="en-US" smtClean="0"/>
-              <a:t>2023/3/11</a:t>
+              <a:t>2023/3/12</a:t>
             </a:fld>
             <a:endParaRPr lang="zh-CN" altLang="en-US"/>
           </a:p>
@@ -9489,7 +9623,7 @@
           <a:p>
             <a:fld id="{D997B5FA-0921-464F-AAE1-844C04324D75}" type="datetimeFigureOut">
               <a:rPr lang="zh-CN" altLang="en-US" smtClean="0"/>
-              <a:t>2023/3/11</a:t>
+              <a:t>2023/3/12</a:t>
             </a:fld>
             <a:endParaRPr lang="zh-CN" altLang="en-US"/>
           </a:p>
@@ -9856,7 +9990,7 @@
           <a:p>
             <a:fld id="{D997B5FA-0921-464F-AAE1-844C04324D75}" type="datetimeFigureOut">
               <a:rPr lang="zh-CN" altLang="en-US" smtClean="0"/>
-              <a:t>2023/3/11</a:t>
+              <a:t>2023/3/12</a:t>
             </a:fld>
             <a:endParaRPr lang="zh-CN" altLang="en-US"/>
           </a:p>
@@ -9976,7 +10110,7 @@
           <a:p>
             <a:fld id="{D997B5FA-0921-464F-AAE1-844C04324D75}" type="datetimeFigureOut">
               <a:rPr lang="zh-CN" altLang="en-US" smtClean="0"/>
-              <a:t>2023/3/11</a:t>
+              <a:t>2023/3/12</a:t>
             </a:fld>
             <a:endParaRPr lang="zh-CN" altLang="en-US"/>
           </a:p>
@@ -10074,7 +10208,7 @@
           <a:p>
             <a:fld id="{D997B5FA-0921-464F-AAE1-844C04324D75}" type="datetimeFigureOut">
               <a:rPr lang="zh-CN" altLang="en-US" smtClean="0"/>
-              <a:t>2023/3/11</a:t>
+              <a:t>2023/3/12</a:t>
             </a:fld>
             <a:endParaRPr lang="zh-CN" altLang="en-US"/>
           </a:p>
@@ -10352,7 +10486,7 @@
           <a:p>
             <a:fld id="{D997B5FA-0921-464F-AAE1-844C04324D75}" type="datetimeFigureOut">
               <a:rPr lang="zh-CN" altLang="en-US" smtClean="0"/>
-              <a:t>2023/3/11</a:t>
+              <a:t>2023/3/12</a:t>
             </a:fld>
             <a:endParaRPr lang="zh-CN" altLang="en-US"/>
           </a:p>
@@ -10607,7 +10741,7 @@
           <a:p>
             <a:fld id="{D997B5FA-0921-464F-AAE1-844C04324D75}" type="datetimeFigureOut">
               <a:rPr lang="zh-CN" altLang="en-US" smtClean="0"/>
-              <a:t>2023/3/11</a:t>
+              <a:t>2023/3/12</a:t>
             </a:fld>
             <a:endParaRPr lang="zh-CN" altLang="en-US"/>
           </a:p>
@@ -10821,7 +10955,7 @@
           <a:p>
             <a:fld id="{D997B5FA-0921-464F-AAE1-844C04324D75}" type="datetimeFigureOut">
               <a:rPr lang="zh-CN" altLang="en-US" smtClean="0"/>
-              <a:t>2023/3/11</a:t>
+              <a:t>2023/3/12</a:t>
             </a:fld>
             <a:endParaRPr lang="zh-CN" altLang="en-US"/>
           </a:p>
@@ -11379,7 +11513,7 @@
                 </a:solidFill>
               </a:rPr>
               <a:pPr/>
-              <a:t>2023/3/11</a:t>
+              <a:t>2023/3/12</a:t>
             </a:fld>
             <a:endParaRPr lang="zh-CN" altLang="en-US" dirty="0">
               <a:solidFill>
@@ -14811,8 +14945,8 @@
           </a:prstGeom>
         </p:spPr>
       </p:pic>
-      <mc:AlternateContent xmlns:mc="http://schemas.openxmlformats.org/markup-compatibility/2006">
-        <mc:Choice xmlns:p14="http://schemas.microsoft.com/office/powerpoint/2010/main" Requires="p14">
+      <mc:AlternateContent xmlns:mc="http://schemas.openxmlformats.org/markup-compatibility/2006" xmlns:p14="http://schemas.microsoft.com/office/powerpoint/2010/main">
+        <mc:Choice Requires="p14">
           <p:contentPart p14:bwMode="auto" r:id="rId6">
             <p14:nvContentPartPr>
               <p14:cNvPr id="14" name="墨迹 13">
@@ -14831,7 +14965,7 @@
             </p14:xfrm>
           </p:contentPart>
         </mc:Choice>
-        <mc:Fallback>
+        <mc:Fallback xmlns="">
           <p:pic>
             <p:nvPicPr>
               <p:cNvPr id="14" name="墨迹 13">
@@ -14862,8 +14996,8 @@
           </p:pic>
         </mc:Fallback>
       </mc:AlternateContent>
-      <mc:AlternateContent xmlns:mc="http://schemas.openxmlformats.org/markup-compatibility/2006">
-        <mc:Choice xmlns:p14="http://schemas.microsoft.com/office/powerpoint/2010/main" Requires="p14">
+      <mc:AlternateContent xmlns:mc="http://schemas.openxmlformats.org/markup-compatibility/2006" xmlns:p14="http://schemas.microsoft.com/office/powerpoint/2010/main">
+        <mc:Choice Requires="p14">
           <p:contentPart p14:bwMode="auto" r:id="rId8">
             <p14:nvContentPartPr>
               <p14:cNvPr id="15" name="墨迹 14">
@@ -14882,7 +15016,7 @@
             </p14:xfrm>
           </p:contentPart>
         </mc:Choice>
-        <mc:Fallback>
+        <mc:Fallback xmlns="">
           <p:pic>
             <p:nvPicPr>
               <p:cNvPr id="15" name="墨迹 14">
@@ -14913,8 +15047,8 @@
           </p:pic>
         </mc:Fallback>
       </mc:AlternateContent>
-      <mc:AlternateContent xmlns:mc="http://schemas.openxmlformats.org/markup-compatibility/2006">
-        <mc:Choice xmlns:p14="http://schemas.microsoft.com/office/powerpoint/2010/main" Requires="p14">
+      <mc:AlternateContent xmlns:mc="http://schemas.openxmlformats.org/markup-compatibility/2006" xmlns:p14="http://schemas.microsoft.com/office/powerpoint/2010/main">
+        <mc:Choice Requires="p14">
           <p:contentPart p14:bwMode="auto" r:id="rId10">
             <p14:nvContentPartPr>
               <p14:cNvPr id="16" name="墨迹 15">
@@ -14933,7 +15067,7 @@
             </p14:xfrm>
           </p:contentPart>
         </mc:Choice>
-        <mc:Fallback>
+        <mc:Fallback xmlns="">
           <p:pic>
             <p:nvPicPr>
               <p:cNvPr id="16" name="墨迹 15">
@@ -14964,8 +15098,8 @@
           </p:pic>
         </mc:Fallback>
       </mc:AlternateContent>
-      <mc:AlternateContent xmlns:mc="http://schemas.openxmlformats.org/markup-compatibility/2006">
-        <mc:Choice xmlns:p14="http://schemas.microsoft.com/office/powerpoint/2010/main" Requires="p14">
+      <mc:AlternateContent xmlns:mc="http://schemas.openxmlformats.org/markup-compatibility/2006" xmlns:p14="http://schemas.microsoft.com/office/powerpoint/2010/main">
+        <mc:Choice Requires="p14">
           <p:contentPart p14:bwMode="auto" r:id="rId12">
             <p14:nvContentPartPr>
               <p14:cNvPr id="17" name="墨迹 16">
@@ -14984,7 +15118,7 @@
             </p14:xfrm>
           </p:contentPart>
         </mc:Choice>
-        <mc:Fallback>
+        <mc:Fallback xmlns="">
           <p:pic>
             <p:nvPicPr>
               <p:cNvPr id="17" name="墨迹 16">
@@ -15015,8 +15149,8 @@
           </p:pic>
         </mc:Fallback>
       </mc:AlternateContent>
-      <mc:AlternateContent xmlns:mc="http://schemas.openxmlformats.org/markup-compatibility/2006">
-        <mc:Choice xmlns:p14="http://schemas.microsoft.com/office/powerpoint/2010/main" Requires="p14">
+      <mc:AlternateContent xmlns:mc="http://schemas.openxmlformats.org/markup-compatibility/2006" xmlns:p14="http://schemas.microsoft.com/office/powerpoint/2010/main">
+        <mc:Choice Requires="p14">
           <p:contentPart p14:bwMode="auto" r:id="rId14">
             <p14:nvContentPartPr>
               <p14:cNvPr id="18" name="墨迹 17">
@@ -15035,7 +15169,7 @@
             </p14:xfrm>
           </p:contentPart>
         </mc:Choice>
-        <mc:Fallback>
+        <mc:Fallback xmlns="">
           <p:pic>
             <p:nvPicPr>
               <p:cNvPr id="18" name="墨迹 17">
@@ -15066,8 +15200,8 @@
           </p:pic>
         </mc:Fallback>
       </mc:AlternateContent>
-      <mc:AlternateContent xmlns:mc="http://schemas.openxmlformats.org/markup-compatibility/2006">
-        <mc:Choice xmlns:p14="http://schemas.microsoft.com/office/powerpoint/2010/main" Requires="p14">
+      <mc:AlternateContent xmlns:mc="http://schemas.openxmlformats.org/markup-compatibility/2006" xmlns:p14="http://schemas.microsoft.com/office/powerpoint/2010/main">
+        <mc:Choice Requires="p14">
           <p:contentPart p14:bwMode="auto" r:id="rId16">
             <p14:nvContentPartPr>
               <p14:cNvPr id="19" name="墨迹 18">
@@ -15086,7 +15220,7 @@
             </p14:xfrm>
           </p:contentPart>
         </mc:Choice>
-        <mc:Fallback>
+        <mc:Fallback xmlns="">
           <p:pic>
             <p:nvPicPr>
               <p:cNvPr id="19" name="墨迹 18">
@@ -15117,8 +15251,8 @@
           </p:pic>
         </mc:Fallback>
       </mc:AlternateContent>
-      <mc:AlternateContent xmlns:mc="http://schemas.openxmlformats.org/markup-compatibility/2006">
-        <mc:Choice xmlns:p14="http://schemas.microsoft.com/office/powerpoint/2010/main" Requires="p14">
+      <mc:AlternateContent xmlns:mc="http://schemas.openxmlformats.org/markup-compatibility/2006" xmlns:p14="http://schemas.microsoft.com/office/powerpoint/2010/main">
+        <mc:Choice Requires="p14">
           <p:contentPart p14:bwMode="auto" r:id="rId18">
             <p14:nvContentPartPr>
               <p14:cNvPr id="20" name="墨迹 19">
@@ -15137,7 +15271,7 @@
             </p14:xfrm>
           </p:contentPart>
         </mc:Choice>
-        <mc:Fallback>
+        <mc:Fallback xmlns="">
           <p:pic>
             <p:nvPicPr>
               <p:cNvPr id="20" name="墨迹 19">
@@ -15706,49 +15840,12 @@
           </a:p>
         </p:txBody>
       </p:sp>
-      <p:sp>
-        <p:nvSpPr>
-          <p:cNvPr id="10" name="文本框 9"/>
-          <p:cNvSpPr txBox="1"/>
-          <p:nvPr/>
-        </p:nvSpPr>
-        <p:spPr>
-          <a:xfrm>
-            <a:off x="899165" y="219320"/>
-            <a:ext cx="3074003" cy="461665"/>
-          </a:xfrm>
-          <a:prstGeom prst="rect">
-            <a:avLst/>
-          </a:prstGeom>
-          <a:noFill/>
-        </p:spPr>
-        <p:txBody>
-          <a:bodyPr wrap="square" rtlCol="0">
-            <a:spAutoFit/>
-          </a:bodyPr>
-          <a:lstStyle/>
-          <a:p>
-            <a:r>
-              <a:rPr lang="zh-CN" altLang="en-US" sz="2400" b="1" dirty="0">
-                <a:solidFill>
-                  <a:srgbClr val="DDDDDD">
-                    <a:lumMod val="25000"/>
-                  </a:srgbClr>
-                </a:solidFill>
-                <a:latin typeface="微软雅黑" panose="020B0503020204020204" pitchFamily="34" charset="-122"/>
-                <a:ea typeface="微软雅黑" panose="020B0503020204020204" pitchFamily="34" charset="-122"/>
-              </a:rPr>
-              <a:t>疑问</a:t>
-            </a:r>
-          </a:p>
-        </p:txBody>
-      </p:sp>
       <p:pic>
         <p:nvPicPr>
-          <p:cNvPr id="22" name="图片 21">
+          <p:cNvPr id="2" name="图片 1">
             <a:extLst>
               <a:ext uri="{FF2B5EF4-FFF2-40B4-BE49-F238E27FC236}">
-                <a16:creationId xmlns:a16="http://schemas.microsoft.com/office/drawing/2014/main" id="{2F759A6C-D389-E731-4602-03873E5AF0F8}"/>
+                <a16:creationId xmlns:a16="http://schemas.microsoft.com/office/drawing/2014/main" id="{39328554-5DE3-99D7-9414-B51380AD9BE2}"/>
               </a:ext>
             </a:extLst>
           </p:cNvPr>
@@ -15758,7 +15855,7 @@
           <p:nvPr/>
         </p:nvPicPr>
         <p:blipFill>
-          <a:blip r:embed="rId3">
+          <a:blip r:embed="rId3" cstate="print">
             <a:extLst>
               <a:ext uri="{28A0092B-C50C-407E-A947-70E740481C1C}">
                 <a14:useLocalDpi xmlns:a14="http://schemas.microsoft.com/office/drawing/2010/main" val="0"/>
@@ -15771,8 +15868,8 @@
         </p:blipFill>
         <p:spPr>
           <a:xfrm>
-            <a:off x="0" y="2981688"/>
-            <a:ext cx="9144000" cy="894624"/>
+            <a:off x="1947588" y="806937"/>
+            <a:ext cx="5248823" cy="5875656"/>
           </a:xfrm>
           <a:prstGeom prst="rect">
             <a:avLst/>
@@ -19298,8 +19395,8 @@
           </a:prstGeom>
         </p:spPr>
       </p:pic>
-      <mc:AlternateContent xmlns:mc="http://schemas.openxmlformats.org/markup-compatibility/2006">
-        <mc:Choice xmlns:p14="http://schemas.microsoft.com/office/powerpoint/2010/main" Requires="p14">
+      <mc:AlternateContent xmlns:mc="http://schemas.openxmlformats.org/markup-compatibility/2006" xmlns:p14="http://schemas.microsoft.com/office/powerpoint/2010/main">
+        <mc:Choice Requires="p14">
           <p:contentPart p14:bwMode="auto" r:id="rId5">
             <p14:nvContentPartPr>
               <p14:cNvPr id="15" name="墨迹 14">
@@ -19318,7 +19415,7 @@
             </p14:xfrm>
           </p:contentPart>
         </mc:Choice>
-        <mc:Fallback>
+        <mc:Fallback xmlns="">
           <p:pic>
             <p:nvPicPr>
               <p:cNvPr id="15" name="墨迹 14">
@@ -19349,8 +19446,8 @@
           </p:pic>
         </mc:Fallback>
       </mc:AlternateContent>
-      <mc:AlternateContent xmlns:mc="http://schemas.openxmlformats.org/markup-compatibility/2006">
-        <mc:Choice xmlns:p14="http://schemas.microsoft.com/office/powerpoint/2010/main" Requires="p14">
+      <mc:AlternateContent xmlns:mc="http://schemas.openxmlformats.org/markup-compatibility/2006" xmlns:p14="http://schemas.microsoft.com/office/powerpoint/2010/main">
+        <mc:Choice Requires="p14">
           <p:contentPart p14:bwMode="auto" r:id="rId7">
             <p14:nvContentPartPr>
               <p14:cNvPr id="16" name="墨迹 15">
@@ -19369,7 +19466,7 @@
             </p14:xfrm>
           </p:contentPart>
         </mc:Choice>
-        <mc:Fallback>
+        <mc:Fallback xmlns="">
           <p:pic>
             <p:nvPicPr>
               <p:cNvPr id="16" name="墨迹 15">
@@ -19400,8 +19497,8 @@
           </p:pic>
         </mc:Fallback>
       </mc:AlternateContent>
-      <mc:AlternateContent xmlns:mc="http://schemas.openxmlformats.org/markup-compatibility/2006">
-        <mc:Choice xmlns:p14="http://schemas.microsoft.com/office/powerpoint/2010/main" Requires="p14">
+      <mc:AlternateContent xmlns:mc="http://schemas.openxmlformats.org/markup-compatibility/2006" xmlns:p14="http://schemas.microsoft.com/office/powerpoint/2010/main">
+        <mc:Choice Requires="p14">
           <p:contentPart p14:bwMode="auto" r:id="rId9">
             <p14:nvContentPartPr>
               <p14:cNvPr id="17" name="墨迹 16">
@@ -19420,7 +19517,7 @@
             </p14:xfrm>
           </p:contentPart>
         </mc:Choice>
-        <mc:Fallback>
+        <mc:Fallback xmlns="">
           <p:pic>
             <p:nvPicPr>
               <p:cNvPr id="17" name="墨迹 16">
@@ -19451,8 +19548,8 @@
           </p:pic>
         </mc:Fallback>
       </mc:AlternateContent>
-      <mc:AlternateContent xmlns:mc="http://schemas.openxmlformats.org/markup-compatibility/2006">
-        <mc:Choice xmlns:p14="http://schemas.microsoft.com/office/powerpoint/2010/main" Requires="p14">
+      <mc:AlternateContent xmlns:mc="http://schemas.openxmlformats.org/markup-compatibility/2006" xmlns:p14="http://schemas.microsoft.com/office/powerpoint/2010/main">
+        <mc:Choice Requires="p14">
           <p:contentPart p14:bwMode="auto" r:id="rId11">
             <p14:nvContentPartPr>
               <p14:cNvPr id="18" name="墨迹 17">
@@ -19471,7 +19568,7 @@
             </p14:xfrm>
           </p:contentPart>
         </mc:Choice>
-        <mc:Fallback>
+        <mc:Fallback xmlns="">
           <p:pic>
             <p:nvPicPr>
               <p:cNvPr id="18" name="墨迹 17">
@@ -19502,8 +19599,8 @@
           </p:pic>
         </mc:Fallback>
       </mc:AlternateContent>
-      <mc:AlternateContent xmlns:mc="http://schemas.openxmlformats.org/markup-compatibility/2006">
-        <mc:Choice xmlns:p14="http://schemas.microsoft.com/office/powerpoint/2010/main" Requires="p14">
+      <mc:AlternateContent xmlns:mc="http://schemas.openxmlformats.org/markup-compatibility/2006" xmlns:p14="http://schemas.microsoft.com/office/powerpoint/2010/main">
+        <mc:Choice Requires="p14">
           <p:contentPart p14:bwMode="auto" r:id="rId13">
             <p14:nvContentPartPr>
               <p14:cNvPr id="19" name="墨迹 18">
@@ -19522,7 +19619,7 @@
             </p14:xfrm>
           </p:contentPart>
         </mc:Choice>
-        <mc:Fallback>
+        <mc:Fallback xmlns="">
           <p:pic>
             <p:nvPicPr>
               <p:cNvPr id="19" name="墨迹 18">
@@ -20173,8 +20270,8 @@
           </a:prstGeom>
         </p:spPr>
       </p:pic>
-      <mc:AlternateContent xmlns:mc="http://schemas.openxmlformats.org/markup-compatibility/2006">
-        <mc:Choice xmlns:p14="http://schemas.microsoft.com/office/powerpoint/2010/main" Requires="p14">
+      <mc:AlternateContent xmlns:mc="http://schemas.openxmlformats.org/markup-compatibility/2006" xmlns:p14="http://schemas.microsoft.com/office/powerpoint/2010/main">
+        <mc:Choice Requires="p14">
           <p:contentPart p14:bwMode="auto" r:id="rId4">
             <p14:nvContentPartPr>
               <p14:cNvPr id="11" name="墨迹 10">
@@ -20193,7 +20290,7 @@
             </p14:xfrm>
           </p:contentPart>
         </mc:Choice>
-        <mc:Fallback>
+        <mc:Fallback xmlns="">
           <p:pic>
             <p:nvPicPr>
               <p:cNvPr id="11" name="墨迹 10">
@@ -20224,8 +20321,8 @@
           </p:pic>
         </mc:Fallback>
       </mc:AlternateContent>
-      <mc:AlternateContent xmlns:mc="http://schemas.openxmlformats.org/markup-compatibility/2006">
-        <mc:Choice xmlns:p14="http://schemas.microsoft.com/office/powerpoint/2010/main" Requires="p14">
+      <mc:AlternateContent xmlns:mc="http://schemas.openxmlformats.org/markup-compatibility/2006" xmlns:p14="http://schemas.microsoft.com/office/powerpoint/2010/main">
+        <mc:Choice Requires="p14">
           <p:contentPart p14:bwMode="auto" r:id="rId6">
             <p14:nvContentPartPr>
               <p14:cNvPr id="13" name="墨迹 12">
@@ -20244,7 +20341,7 @@
             </p14:xfrm>
           </p:contentPart>
         </mc:Choice>
-        <mc:Fallback>
+        <mc:Fallback xmlns="">
           <p:pic>
             <p:nvPicPr>
               <p:cNvPr id="13" name="墨迹 12">
@@ -21930,7 +22027,7 @@
         <p:spPr>
           <a:xfrm>
             <a:off x="5650322" y="1617680"/>
-            <a:ext cx="3270967" cy="4154984"/>
+            <a:ext cx="3270967" cy="3877985"/>
           </a:xfrm>
           <a:prstGeom prst="rect">
             <a:avLst/>
@@ -21950,7 +22047,7 @@
                 </a:solidFill>
                 <a:latin typeface="+mn-ea"/>
               </a:rPr>
-              <a:t>执行Blocksparse的矩阵乘法</a:t>
+              <a:t>执行Blocksparse算法</a:t>
             </a:r>
             <a:r>
               <a:rPr lang="zh-CN" altLang="en-US" dirty="0">
@@ -21975,7 +22072,7 @@
                 </a:solidFill>
                 <a:latin typeface="+mn-ea"/>
               </a:rPr>
-              <a:t>执行带有门控单元Blocksparse矩阵乘法</a:t>
+              <a:t>执行带有门控单元Blocksparse算法</a:t>
             </a:r>
             <a:r>
               <a:rPr lang="zh-CN" altLang="en-US" dirty="0">
@@ -22006,7 +22103,7 @@
                 </a:solidFill>
                 <a:latin typeface="+mn-ea"/>
               </a:rPr>
-              <a:t>Blocksparse矩阵前向传播和矩阵反向传播的实现</a:t>
+              <a:t>Blocksparse矩阵乘法的实现</a:t>
             </a:r>
             <a:r>
               <a:rPr lang="zh-CN" altLang="en-US" dirty="0">
@@ -23182,8 +23279,8 @@
         </p:nvSpPr>
         <p:spPr>
           <a:xfrm>
-            <a:off x="326037" y="1005119"/>
-            <a:ext cx="8679308" cy="5078313"/>
+            <a:off x="326037" y="851905"/>
+            <a:ext cx="8679308" cy="5262979"/>
           </a:xfrm>
           <a:prstGeom prst="rect">
             <a:avLst/>
@@ -23196,148 +23293,79 @@
           </a:bodyPr>
           <a:lstStyle/>
           <a:p>
-            <a:pPr>
-              <a:buFont typeface="+mj-lt"/>
-              <a:buAutoNum type="arabicPeriod"/>
-            </a:pPr>
-            <a:r>
-              <a:rPr lang="zh-CN" altLang="en-US" dirty="0">
+            <a:r>
+              <a:rPr lang="en-US" altLang="zh-CN" sz="1600" dirty="0" err="1">
                 <a:solidFill>
                   <a:srgbClr val="374151"/>
                 </a:solidFill>
                 <a:latin typeface="+mn-ea"/>
               </a:rPr>
-              <a:t>输入数据和卷积核转化为 </a:t>
-            </a:r>
-            <a:r>
-              <a:rPr lang="en-US" altLang="zh-CN" dirty="0" err="1">
+              <a:t>Blocksparse</a:t>
+            </a:r>
+            <a:r>
+              <a:rPr lang="zh-CN" altLang="en-US" sz="1600" dirty="0">
                 <a:solidFill>
                   <a:srgbClr val="374151"/>
                 </a:solidFill>
                 <a:latin typeface="+mn-ea"/>
               </a:rPr>
-              <a:t>blocksparse</a:t>
-            </a:r>
-            <a:r>
-              <a:rPr lang="en-US" altLang="zh-CN" dirty="0">
+              <a:t>的卷积操作可以支持</a:t>
+            </a:r>
+            <a:r>
+              <a:rPr lang="zh-CN" altLang="en-US" sz="1600" dirty="0">
+                <a:solidFill>
+                  <a:srgbClr val="FF0000"/>
+                </a:solidFill>
+                <a:latin typeface="+mn-ea"/>
+              </a:rPr>
+              <a:t>分离卷积、组卷积、点积等不同形式的卷积</a:t>
+            </a:r>
+            <a:r>
+              <a:rPr lang="zh-CN" altLang="en-US" sz="1600" dirty="0">
                 <a:solidFill>
                   <a:srgbClr val="374151"/>
                 </a:solidFill>
                 <a:latin typeface="+mn-ea"/>
               </a:rPr>
-              <a:t> </a:t>
-            </a:r>
-            <a:r>
-              <a:rPr lang="zh-CN" altLang="en-US" dirty="0">
+              <a:t>。其中，可分离卷积和点积的卷积操作不需要计算掩码</a:t>
+            </a:r>
+            <a:r>
+              <a:rPr lang="en-US" altLang="zh-CN" sz="1600" dirty="0">
                 <a:solidFill>
                   <a:srgbClr val="374151"/>
                 </a:solidFill>
                 <a:latin typeface="+mn-ea"/>
               </a:rPr>
-              <a:t>格式。</a:t>
-            </a:r>
-          </a:p>
-          <a:p>
-            <a:r>
-              <a:rPr lang="zh-CN" altLang="en-US" dirty="0">
+              <a:t>(mask)</a:t>
+            </a:r>
+            <a:r>
+              <a:rPr lang="zh-CN" altLang="en-US" sz="1600" dirty="0">
                 <a:solidFill>
                   <a:srgbClr val="374151"/>
                 </a:solidFill>
                 <a:latin typeface="+mn-ea"/>
               </a:rPr>
-              <a:t>输入数据和卷积核在被送入 </a:t>
-            </a:r>
-            <a:r>
-              <a:rPr lang="en-US" altLang="zh-CN" dirty="0">
+              <a:t>，而组卷积的卷积操作需要计算掩码</a:t>
+            </a:r>
+            <a:r>
+              <a:rPr lang="en-US" altLang="zh-CN" sz="1600" dirty="0">
                 <a:solidFill>
                   <a:srgbClr val="374151"/>
                 </a:solidFill>
                 <a:latin typeface="+mn-ea"/>
               </a:rPr>
-              <a:t>GPU </a:t>
-            </a:r>
-            <a:r>
-              <a:rPr lang="zh-CN" altLang="en-US" dirty="0">
+              <a:t>(mask)</a:t>
+            </a:r>
+            <a:r>
+              <a:rPr lang="zh-CN" altLang="en-US" sz="1600" dirty="0">
                 <a:solidFill>
                   <a:srgbClr val="374151"/>
                 </a:solidFill>
                 <a:latin typeface="+mn-ea"/>
               </a:rPr>
-              <a:t>进行计算之前，</a:t>
-            </a:r>
-            <a:r>
-              <a:rPr lang="zh-CN" altLang="en-US" dirty="0">
-                <a:solidFill>
-                  <a:srgbClr val="FF0000"/>
-                </a:solidFill>
-                <a:latin typeface="+mn-ea"/>
-              </a:rPr>
-              <a:t>首先需要被转化为 </a:t>
-            </a:r>
-            <a:r>
-              <a:rPr lang="en-US" altLang="zh-CN" dirty="0" err="1">
-                <a:solidFill>
-                  <a:srgbClr val="FF0000"/>
-                </a:solidFill>
-                <a:latin typeface="+mn-ea"/>
-              </a:rPr>
-              <a:t>blocksparse</a:t>
-            </a:r>
-            <a:r>
-              <a:rPr lang="en-US" altLang="zh-CN" dirty="0">
-                <a:solidFill>
-                  <a:srgbClr val="FF0000"/>
-                </a:solidFill>
-                <a:latin typeface="+mn-ea"/>
-              </a:rPr>
-              <a:t> </a:t>
-            </a:r>
-            <a:r>
-              <a:rPr lang="zh-CN" altLang="en-US" dirty="0">
-                <a:solidFill>
-                  <a:srgbClr val="FF0000"/>
-                </a:solidFill>
-                <a:latin typeface="+mn-ea"/>
-              </a:rPr>
-              <a:t>格式</a:t>
-            </a:r>
-            <a:r>
-              <a:rPr lang="zh-CN" altLang="en-US" dirty="0">
-                <a:solidFill>
-                  <a:srgbClr val="374151"/>
-                </a:solidFill>
-                <a:latin typeface="+mn-ea"/>
-              </a:rPr>
-              <a:t>。这一步的主要目的是将原始数据转化为可以高效计算的格式，同时也为后续的计算做好了数据布局上的准备。在 </a:t>
-            </a:r>
-            <a:r>
-              <a:rPr lang="en-US" altLang="zh-CN" dirty="0" err="1">
-                <a:solidFill>
-                  <a:srgbClr val="374151"/>
-                </a:solidFill>
-                <a:latin typeface="+mn-ea"/>
-              </a:rPr>
-              <a:t>blocksparse</a:t>
-            </a:r>
-            <a:r>
-              <a:rPr lang="en-US" altLang="zh-CN" dirty="0">
-                <a:solidFill>
-                  <a:srgbClr val="374151"/>
-                </a:solidFill>
-                <a:latin typeface="+mn-ea"/>
-              </a:rPr>
-              <a:t> </a:t>
-            </a:r>
-            <a:r>
-              <a:rPr lang="zh-CN" altLang="en-US" dirty="0">
-                <a:solidFill>
-                  <a:srgbClr val="374151"/>
-                </a:solidFill>
-                <a:latin typeface="+mn-ea"/>
-              </a:rPr>
-              <a:t>格式中，输入数据和卷积核被划分为若干个小块，每个小块包含多个矩阵元素。</a:t>
-            </a:r>
-            <a:endParaRPr lang="en-US" altLang="zh-CN" dirty="0">
+              <a:t>。</a:t>
+            </a:r>
+            <a:endParaRPr lang="en-US" altLang="zh-CN" sz="1600" dirty="0">
               <a:solidFill>
                 <a:srgbClr val="374151"/>
               </a:solidFill>
@@ -23345,7 +23373,7 @@
             </a:endParaRPr>
           </a:p>
           <a:p>
-            <a:endParaRPr lang="zh-CN" altLang="en-US" dirty="0">
+            <a:endParaRPr lang="en-US" altLang="zh-CN" sz="1600" dirty="0">
               <a:solidFill>
                 <a:srgbClr val="374151"/>
               </a:solidFill>
@@ -23355,155 +23383,9 @@
           <a:p>
             <a:pPr>
               <a:buFont typeface="+mj-lt"/>
-              <a:buAutoNum type="arabicPeriod" startAt="2"/>
+              <a:buAutoNum type="arabicPeriod"/>
             </a:pPr>
-            <a:r>
-              <a:rPr lang="zh-CN" altLang="en-US" dirty="0">
-                <a:solidFill>
-                  <a:srgbClr val="374151"/>
-                </a:solidFill>
-                <a:latin typeface="+mn-ea"/>
-              </a:rPr>
-              <a:t>进行 </a:t>
-            </a:r>
-            <a:r>
-              <a:rPr lang="en-US" altLang="zh-CN" dirty="0" err="1">
-                <a:solidFill>
-                  <a:srgbClr val="374151"/>
-                </a:solidFill>
-                <a:latin typeface="+mn-ea"/>
-              </a:rPr>
-              <a:t>blocksparse</a:t>
-            </a:r>
-            <a:r>
-              <a:rPr lang="en-US" altLang="zh-CN" dirty="0">
-                <a:solidFill>
-                  <a:srgbClr val="374151"/>
-                </a:solidFill>
-                <a:latin typeface="+mn-ea"/>
-              </a:rPr>
-              <a:t> </a:t>
-            </a:r>
-            <a:r>
-              <a:rPr lang="zh-CN" altLang="en-US" dirty="0">
-                <a:solidFill>
-                  <a:srgbClr val="374151"/>
-                </a:solidFill>
-                <a:latin typeface="+mn-ea"/>
-              </a:rPr>
-              <a:t>卷积计算。</a:t>
-            </a:r>
-          </a:p>
-          <a:p>
-            <a:r>
-              <a:rPr lang="zh-CN" altLang="en-US" dirty="0">
-                <a:solidFill>
-                  <a:srgbClr val="374151"/>
-                </a:solidFill>
-                <a:latin typeface="+mn-ea"/>
-              </a:rPr>
-              <a:t>接下来，将 </a:t>
-            </a:r>
-            <a:r>
-              <a:rPr lang="en-US" altLang="zh-CN" dirty="0" err="1">
-                <a:solidFill>
-                  <a:srgbClr val="374151"/>
-                </a:solidFill>
-                <a:latin typeface="+mn-ea"/>
-              </a:rPr>
-              <a:t>blocksparse</a:t>
-            </a:r>
-            <a:r>
-              <a:rPr lang="en-US" altLang="zh-CN" dirty="0">
-                <a:solidFill>
-                  <a:srgbClr val="374151"/>
-                </a:solidFill>
-                <a:latin typeface="+mn-ea"/>
-              </a:rPr>
-              <a:t> </a:t>
-            </a:r>
-            <a:r>
-              <a:rPr lang="zh-CN" altLang="en-US" dirty="0">
-                <a:solidFill>
-                  <a:srgbClr val="374151"/>
-                </a:solidFill>
-                <a:latin typeface="+mn-ea"/>
-              </a:rPr>
-              <a:t>格式的输入数据和卷积核送入 </a:t>
-            </a:r>
-            <a:r>
-              <a:rPr lang="en-US" altLang="zh-CN" dirty="0">
-                <a:solidFill>
-                  <a:srgbClr val="374151"/>
-                </a:solidFill>
-                <a:latin typeface="+mn-ea"/>
-              </a:rPr>
-              <a:t>GPU </a:t>
-            </a:r>
-            <a:r>
-              <a:rPr lang="zh-CN" altLang="en-US" dirty="0">
-                <a:solidFill>
-                  <a:srgbClr val="374151"/>
-                </a:solidFill>
-                <a:latin typeface="+mn-ea"/>
-              </a:rPr>
-              <a:t>进行卷积计算。卷积计算过程中，每个线程负责处理一个或多个小块的计算，通过</a:t>
-            </a:r>
-            <a:r>
-              <a:rPr lang="zh-CN" altLang="en-US" dirty="0">
-                <a:solidFill>
-                  <a:srgbClr val="FF0000"/>
-                </a:solidFill>
-                <a:latin typeface="+mn-ea"/>
-              </a:rPr>
-              <a:t>对不同的小块进行并行计算</a:t>
-            </a:r>
-            <a:r>
-              <a:rPr lang="zh-CN" altLang="en-US" dirty="0">
-                <a:solidFill>
-                  <a:srgbClr val="374151"/>
-                </a:solidFill>
-                <a:latin typeface="+mn-ea"/>
-              </a:rPr>
-              <a:t>，可以大大提高卷积计算的效率。具体来说，在卷积计算过程中，每个线程需要执行</a:t>
-            </a:r>
-            <a:r>
-              <a:rPr lang="zh-CN" altLang="en-US" dirty="0">
-                <a:solidFill>
-                  <a:srgbClr val="FF0000"/>
-                </a:solidFill>
-                <a:latin typeface="+mn-ea"/>
-              </a:rPr>
-              <a:t>矩阵乘法操作</a:t>
-            </a:r>
-            <a:r>
-              <a:rPr lang="zh-CN" altLang="en-US" dirty="0">
-                <a:solidFill>
-                  <a:srgbClr val="374151"/>
-                </a:solidFill>
-                <a:latin typeface="+mn-ea"/>
-              </a:rPr>
-              <a:t>，</a:t>
-            </a:r>
-            <a:r>
-              <a:rPr lang="zh-CN" altLang="en-US" dirty="0">
-                <a:solidFill>
-                  <a:srgbClr val="FF0000"/>
-                </a:solidFill>
-                <a:latin typeface="+mn-ea"/>
-              </a:rPr>
-              <a:t>将输入数据和卷积核相乘得到输出数据</a:t>
-            </a:r>
-            <a:r>
-              <a:rPr lang="zh-CN" altLang="en-US" dirty="0">
-                <a:solidFill>
-                  <a:srgbClr val="374151"/>
-                </a:solidFill>
-                <a:latin typeface="+mn-ea"/>
-              </a:rPr>
-              <a:t>。</a:t>
-            </a:r>
-            <a:endParaRPr lang="en-US" altLang="zh-CN" dirty="0">
+            <a:endParaRPr lang="en-US" altLang="zh-CN" sz="1600" dirty="0">
               <a:solidFill>
                 <a:srgbClr val="374151"/>
               </a:solidFill>
@@ -23511,7 +23393,148 @@
             </a:endParaRPr>
           </a:p>
           <a:p>
-            <a:endParaRPr lang="zh-CN" altLang="en-US" dirty="0">
+            <a:pPr>
+              <a:buFont typeface="+mj-lt"/>
+              <a:buAutoNum type="arabicPeriod"/>
+            </a:pPr>
+            <a:r>
+              <a:rPr lang="zh-CN" altLang="en-US" sz="1600" dirty="0">
+                <a:solidFill>
+                  <a:srgbClr val="374151"/>
+                </a:solidFill>
+                <a:latin typeface="+mn-ea"/>
+              </a:rPr>
+              <a:t>输入数据和卷积核转化为 </a:t>
+            </a:r>
+            <a:r>
+              <a:rPr lang="en-US" altLang="zh-CN" sz="1600" dirty="0" err="1">
+                <a:solidFill>
+                  <a:srgbClr val="374151"/>
+                </a:solidFill>
+                <a:latin typeface="+mn-ea"/>
+              </a:rPr>
+              <a:t>blocksparse</a:t>
+            </a:r>
+            <a:r>
+              <a:rPr lang="en-US" altLang="zh-CN" sz="1600" dirty="0">
+                <a:solidFill>
+                  <a:srgbClr val="374151"/>
+                </a:solidFill>
+                <a:latin typeface="+mn-ea"/>
+              </a:rPr>
+              <a:t> </a:t>
+            </a:r>
+            <a:r>
+              <a:rPr lang="zh-CN" altLang="en-US" sz="1600" dirty="0">
+                <a:solidFill>
+                  <a:srgbClr val="374151"/>
+                </a:solidFill>
+                <a:latin typeface="+mn-ea"/>
+              </a:rPr>
+              <a:t>格式。</a:t>
+            </a:r>
+          </a:p>
+          <a:p>
+            <a:r>
+              <a:rPr lang="zh-CN" altLang="en-US" sz="1600" dirty="0">
+                <a:solidFill>
+                  <a:srgbClr val="374151"/>
+                </a:solidFill>
+                <a:latin typeface="+mn-ea"/>
+              </a:rPr>
+              <a:t>输入数据和卷积核在被送入 </a:t>
+            </a:r>
+            <a:r>
+              <a:rPr lang="en-US" altLang="zh-CN" sz="1600" dirty="0">
+                <a:solidFill>
+                  <a:srgbClr val="374151"/>
+                </a:solidFill>
+                <a:latin typeface="+mn-ea"/>
+              </a:rPr>
+              <a:t>GPU </a:t>
+            </a:r>
+            <a:r>
+              <a:rPr lang="zh-CN" altLang="en-US" sz="1600" dirty="0">
+                <a:solidFill>
+                  <a:srgbClr val="374151"/>
+                </a:solidFill>
+                <a:latin typeface="+mn-ea"/>
+              </a:rPr>
+              <a:t>进行计算之前，</a:t>
+            </a:r>
+            <a:r>
+              <a:rPr lang="zh-CN" altLang="en-US" sz="1600" dirty="0">
+                <a:solidFill>
+                  <a:srgbClr val="FF0000"/>
+                </a:solidFill>
+                <a:latin typeface="+mn-ea"/>
+              </a:rPr>
+              <a:t>首先需要被转化为 </a:t>
+            </a:r>
+            <a:r>
+              <a:rPr lang="en-US" altLang="zh-CN" sz="1600" dirty="0" err="1">
+                <a:solidFill>
+                  <a:srgbClr val="FF0000"/>
+                </a:solidFill>
+                <a:latin typeface="+mn-ea"/>
+              </a:rPr>
+              <a:t>blocksparse</a:t>
+            </a:r>
+            <a:r>
+              <a:rPr lang="en-US" altLang="zh-CN" sz="1600" dirty="0">
+                <a:solidFill>
+                  <a:srgbClr val="FF0000"/>
+                </a:solidFill>
+                <a:latin typeface="+mn-ea"/>
+              </a:rPr>
+              <a:t> </a:t>
+            </a:r>
+            <a:r>
+              <a:rPr lang="zh-CN" altLang="en-US" sz="1600" dirty="0">
+                <a:solidFill>
+                  <a:srgbClr val="FF0000"/>
+                </a:solidFill>
+                <a:latin typeface="+mn-ea"/>
+              </a:rPr>
+              <a:t>格式</a:t>
+            </a:r>
+            <a:r>
+              <a:rPr lang="zh-CN" altLang="en-US" sz="1600" dirty="0">
+                <a:solidFill>
+                  <a:srgbClr val="374151"/>
+                </a:solidFill>
+                <a:latin typeface="+mn-ea"/>
+              </a:rPr>
+              <a:t>。这一步的主要目的是将原始数据转化为可以高效计算的格式，同时也为后续的计算做好了数据布局上的准备。在 </a:t>
+            </a:r>
+            <a:r>
+              <a:rPr lang="en-US" altLang="zh-CN" sz="1600" dirty="0" err="1">
+                <a:solidFill>
+                  <a:srgbClr val="374151"/>
+                </a:solidFill>
+                <a:latin typeface="+mn-ea"/>
+              </a:rPr>
+              <a:t>blocksparse</a:t>
+            </a:r>
+            <a:r>
+              <a:rPr lang="en-US" altLang="zh-CN" sz="1600" dirty="0">
+                <a:solidFill>
+                  <a:srgbClr val="374151"/>
+                </a:solidFill>
+                <a:latin typeface="+mn-ea"/>
+              </a:rPr>
+              <a:t> </a:t>
+            </a:r>
+            <a:r>
+              <a:rPr lang="zh-CN" altLang="en-US" sz="1600" dirty="0">
+                <a:solidFill>
+                  <a:srgbClr val="374151"/>
+                </a:solidFill>
+                <a:latin typeface="+mn-ea"/>
+              </a:rPr>
+              <a:t>格式中，输入数据和卷积核被划分为若干个小块，每个小块包含多个矩阵元素。</a:t>
+            </a:r>
+            <a:endParaRPr lang="en-US" altLang="zh-CN" sz="1600" dirty="0">
               <a:solidFill>
                 <a:srgbClr val="374151"/>
               </a:solidFill>
@@ -23519,12 +23542,186 @@
             </a:endParaRPr>
           </a:p>
           <a:p>
+            <a:endParaRPr lang="zh-CN" altLang="en-US" sz="1600" dirty="0">
+              <a:solidFill>
+                <a:srgbClr val="374151"/>
+              </a:solidFill>
+              <a:latin typeface="+mn-ea"/>
+            </a:endParaRPr>
+          </a:p>
+          <a:p>
+            <a:pPr>
+              <a:buFont typeface="+mj-lt"/>
+              <a:buAutoNum type="arabicPeriod" startAt="2"/>
+            </a:pPr>
+            <a:r>
+              <a:rPr lang="zh-CN" altLang="en-US" sz="1600" dirty="0">
+                <a:solidFill>
+                  <a:srgbClr val="374151"/>
+                </a:solidFill>
+                <a:latin typeface="+mn-ea"/>
+              </a:rPr>
+              <a:t>进行 </a:t>
+            </a:r>
+            <a:r>
+              <a:rPr lang="en-US" altLang="zh-CN" sz="1600" dirty="0" err="1">
+                <a:solidFill>
+                  <a:srgbClr val="374151"/>
+                </a:solidFill>
+                <a:latin typeface="+mn-ea"/>
+              </a:rPr>
+              <a:t>blocksparse</a:t>
+            </a:r>
+            <a:r>
+              <a:rPr lang="en-US" altLang="zh-CN" sz="1600" dirty="0">
+                <a:solidFill>
+                  <a:srgbClr val="374151"/>
+                </a:solidFill>
+                <a:latin typeface="+mn-ea"/>
+              </a:rPr>
+              <a:t> </a:t>
+            </a:r>
+            <a:r>
+              <a:rPr lang="zh-CN" altLang="en-US" sz="1600" dirty="0">
+                <a:solidFill>
+                  <a:srgbClr val="374151"/>
+                </a:solidFill>
+                <a:latin typeface="+mn-ea"/>
+              </a:rPr>
+              <a:t>卷积计算。</a:t>
+            </a:r>
+          </a:p>
+          <a:p>
+            <a:r>
+              <a:rPr lang="zh-CN" altLang="en-US" sz="1600" dirty="0">
+                <a:solidFill>
+                  <a:srgbClr val="374151"/>
+                </a:solidFill>
+                <a:latin typeface="+mn-ea"/>
+              </a:rPr>
+              <a:t>接下来，将 </a:t>
+            </a:r>
+            <a:r>
+              <a:rPr lang="en-US" altLang="zh-CN" sz="1600" dirty="0" err="1">
+                <a:solidFill>
+                  <a:srgbClr val="374151"/>
+                </a:solidFill>
+                <a:latin typeface="+mn-ea"/>
+              </a:rPr>
+              <a:t>blocksparse</a:t>
+            </a:r>
+            <a:r>
+              <a:rPr lang="en-US" altLang="zh-CN" sz="1600" dirty="0">
+                <a:solidFill>
+                  <a:srgbClr val="374151"/>
+                </a:solidFill>
+                <a:latin typeface="+mn-ea"/>
+              </a:rPr>
+              <a:t> </a:t>
+            </a:r>
+            <a:r>
+              <a:rPr lang="zh-CN" altLang="en-US" sz="1600" dirty="0">
+                <a:solidFill>
+                  <a:srgbClr val="374151"/>
+                </a:solidFill>
+                <a:latin typeface="+mn-ea"/>
+              </a:rPr>
+              <a:t>格式的输入数据和卷积核送入 </a:t>
+            </a:r>
+            <a:r>
+              <a:rPr lang="en-US" altLang="zh-CN" sz="1600" dirty="0">
+                <a:solidFill>
+                  <a:srgbClr val="374151"/>
+                </a:solidFill>
+                <a:latin typeface="+mn-ea"/>
+              </a:rPr>
+              <a:t>GPU </a:t>
+            </a:r>
+            <a:r>
+              <a:rPr lang="zh-CN" altLang="en-US" sz="1600" dirty="0">
+                <a:solidFill>
+                  <a:srgbClr val="374151"/>
+                </a:solidFill>
+                <a:latin typeface="+mn-ea"/>
+              </a:rPr>
+              <a:t>进行卷积计算。卷积计算过程中，每个线程负责处理一个或多个小块的计算，通过</a:t>
+            </a:r>
+            <a:r>
+              <a:rPr lang="zh-CN" altLang="en-US" sz="1600" dirty="0">
+                <a:solidFill>
+                  <a:srgbClr val="FF0000"/>
+                </a:solidFill>
+                <a:latin typeface="+mn-ea"/>
+              </a:rPr>
+              <a:t>对不同的小块进行并行计算</a:t>
+            </a:r>
+            <a:r>
+              <a:rPr lang="zh-CN" altLang="en-US" sz="1600" dirty="0">
+                <a:solidFill>
+                  <a:srgbClr val="374151"/>
+                </a:solidFill>
+                <a:latin typeface="+mn-ea"/>
+              </a:rPr>
+              <a:t>，可以大大提高卷积计算的效率。具体来说，在卷积计算过程中，每个线程需要执行</a:t>
+            </a:r>
+            <a:r>
+              <a:rPr lang="zh-CN" altLang="en-US" sz="1600" dirty="0">
+                <a:solidFill>
+                  <a:srgbClr val="FF0000"/>
+                </a:solidFill>
+                <a:latin typeface="+mn-ea"/>
+              </a:rPr>
+              <a:t>矩阵乘法操作</a:t>
+            </a:r>
+            <a:r>
+              <a:rPr lang="zh-CN" altLang="en-US" sz="1600" dirty="0">
+                <a:solidFill>
+                  <a:srgbClr val="374151"/>
+                </a:solidFill>
+                <a:latin typeface="+mn-ea"/>
+              </a:rPr>
+              <a:t>，</a:t>
+            </a:r>
+            <a:r>
+              <a:rPr lang="zh-CN" altLang="en-US" sz="1600" dirty="0">
+                <a:solidFill>
+                  <a:srgbClr val="FF0000"/>
+                </a:solidFill>
+                <a:latin typeface="+mn-ea"/>
+              </a:rPr>
+              <a:t>将输入数据和卷积核相乘得到输出数据</a:t>
+            </a:r>
+            <a:r>
+              <a:rPr lang="zh-CN" altLang="en-US" sz="1600" dirty="0">
+                <a:solidFill>
+                  <a:srgbClr val="374151"/>
+                </a:solidFill>
+                <a:latin typeface="+mn-ea"/>
+              </a:rPr>
+              <a:t>。</a:t>
+            </a:r>
+            <a:endParaRPr lang="en-US" altLang="zh-CN" sz="1600" dirty="0">
+              <a:solidFill>
+                <a:srgbClr val="374151"/>
+              </a:solidFill>
+              <a:latin typeface="+mn-ea"/>
+            </a:endParaRPr>
+          </a:p>
+          <a:p>
+            <a:endParaRPr lang="zh-CN" altLang="en-US" sz="1600" dirty="0">
+              <a:solidFill>
+                <a:srgbClr val="374151"/>
+              </a:solidFill>
+              <a:latin typeface="+mn-ea"/>
+            </a:endParaRPr>
+          </a:p>
+          <a:p>
             <a:pPr>
               <a:buFont typeface="+mj-lt"/>
               <a:buAutoNum type="arabicPeriod" startAt="3"/>
             </a:pPr>
             <a:r>
-              <a:rPr lang="zh-CN" altLang="en-US" dirty="0">
+              <a:rPr lang="zh-CN" altLang="en-US" sz="1600" dirty="0">
                 <a:solidFill>
                   <a:srgbClr val="374151"/>
                 </a:solidFill>
@@ -23535,7 +23732,7 @@
           </a:p>
           <a:p>
             <a:r>
-              <a:rPr lang="zh-CN" altLang="en-US" dirty="0">
+              <a:rPr lang="zh-CN" altLang="en-US" sz="1600" dirty="0">
                 <a:solidFill>
                   <a:srgbClr val="374151"/>
                 </a:solidFill>
@@ -23544,7 +23741,7 @@
               <a:t>在计算完成后，输出结果需要被转化回普通格式。具体来说，就是</a:t>
             </a:r>
             <a:r>
-              <a:rPr lang="zh-CN" altLang="en-US" dirty="0">
+              <a:rPr lang="zh-CN" altLang="en-US" sz="1600" dirty="0">
                 <a:solidFill>
                   <a:srgbClr val="FF0000"/>
                 </a:solidFill>
@@ -23553,7 +23750,7 @@
               <a:t>将 </a:t>
             </a:r>
             <a:r>
-              <a:rPr lang="en-US" altLang="zh-CN" dirty="0" err="1">
+              <a:rPr lang="en-US" altLang="zh-CN" sz="1600" dirty="0" err="1">
                 <a:solidFill>
                   <a:srgbClr val="FF0000"/>
                 </a:solidFill>
@@ -23562,7 +23759,7 @@
               <a:t>blocksparse</a:t>
             </a:r>
             <a:r>
-              <a:rPr lang="en-US" altLang="zh-CN" dirty="0">
+              <a:rPr lang="en-US" altLang="zh-CN" sz="1600" dirty="0">
                 <a:solidFill>
                   <a:srgbClr val="FF0000"/>
                 </a:solidFill>
@@ -23571,7 +23768,7 @@
               <a:t> </a:t>
             </a:r>
             <a:r>
-              <a:rPr lang="zh-CN" altLang="en-US" dirty="0">
+              <a:rPr lang="zh-CN" altLang="en-US" sz="1600" dirty="0">
                 <a:solidFill>
                   <a:srgbClr val="FF0000"/>
                 </a:solidFill>
@@ -23580,7 +23777,7 @@
               <a:t>格式的输出数据还原为原始的输出数据格式</a:t>
             </a:r>
             <a:r>
-              <a:rPr lang="zh-CN" altLang="en-US" dirty="0">
+              <a:rPr lang="zh-CN" altLang="en-US" sz="1600" dirty="0">
                 <a:solidFill>
                   <a:srgbClr val="374151"/>
                 </a:solidFill>
@@ -23589,7 +23786,7 @@
               <a:t>。这一步可以</a:t>
             </a:r>
             <a:r>
-              <a:rPr lang="zh-CN" altLang="en-US" dirty="0">
+              <a:rPr lang="zh-CN" altLang="en-US" sz="1600" dirty="0">
                 <a:solidFill>
                   <a:srgbClr val="FF0000"/>
                 </a:solidFill>
@@ -23598,7 +23795,7 @@
               <a:t>通过简单的重排操作来实现</a:t>
             </a:r>
             <a:r>
-              <a:rPr lang="zh-CN" altLang="en-US" dirty="0">
+              <a:rPr lang="zh-CN" altLang="en-US" sz="1600" dirty="0">
                 <a:solidFill>
                   <a:srgbClr val="374151"/>
                 </a:solidFill>
@@ -23609,7 +23806,7 @@
           </a:p>
           <a:p>
             <a:r>
-              <a:rPr lang="zh-CN" altLang="en-US" dirty="0">
+              <a:rPr lang="zh-CN" altLang="en-US" sz="1600" dirty="0">
                 <a:solidFill>
                   <a:srgbClr val="374151"/>
                 </a:solidFill>
@@ -23618,7 +23815,7 @@
               <a:t>总体来说，使用 </a:t>
             </a:r>
             <a:r>
-              <a:rPr lang="en-US" altLang="zh-CN" dirty="0" err="1">
+              <a:rPr lang="en-US" altLang="zh-CN" sz="1600" dirty="0" err="1">
                 <a:solidFill>
                   <a:srgbClr val="374151"/>
                 </a:solidFill>
@@ -23627,7 +23824,7 @@
               <a:t>blocksparse</a:t>
             </a:r>
             <a:r>
-              <a:rPr lang="en-US" altLang="zh-CN" dirty="0">
+              <a:rPr lang="en-US" altLang="zh-CN" sz="1600" dirty="0">
                 <a:solidFill>
                   <a:srgbClr val="374151"/>
                 </a:solidFill>
@@ -23636,7 +23833,7 @@
               <a:t> </a:t>
             </a:r>
             <a:r>
-              <a:rPr lang="zh-CN" altLang="en-US" dirty="0">
+              <a:rPr lang="zh-CN" altLang="en-US" sz="1600" dirty="0">
                 <a:solidFill>
                   <a:srgbClr val="374151"/>
                 </a:solidFill>
@@ -23645,7 +23842,7 @@
               <a:t>来进行卷积计算的流程与传统的卷积计算类似，但是通过使用 </a:t>
             </a:r>
             <a:r>
-              <a:rPr lang="en-US" altLang="zh-CN" dirty="0" err="1">
+              <a:rPr lang="en-US" altLang="zh-CN" sz="1600" dirty="0" err="1">
                 <a:solidFill>
                   <a:srgbClr val="374151"/>
                 </a:solidFill>
@@ -23654,7 +23851,7 @@
               <a:t>blocksparse</a:t>
             </a:r>
             <a:r>
-              <a:rPr lang="en-US" altLang="zh-CN" dirty="0">
+              <a:rPr lang="en-US" altLang="zh-CN" sz="1600" dirty="0">
                 <a:solidFill>
                   <a:srgbClr val="374151"/>
                 </a:solidFill>
@@ -23663,7 +23860,7 @@
               <a:t> </a:t>
             </a:r>
             <a:r>
-              <a:rPr lang="zh-CN" altLang="en-US" dirty="0">
+              <a:rPr lang="zh-CN" altLang="en-US" sz="1600" dirty="0">
                 <a:solidFill>
                   <a:srgbClr val="374151"/>
                 </a:solidFill>
